--- a/Documents/Papa John’s Rota System.pptx
+++ b/Documents/Papa John’s Rota System.pptx
@@ -8,10 +8,13 @@
     <p:sldId id="256" r:id="rId2"/>
     <p:sldId id="257" r:id="rId3"/>
     <p:sldId id="258" r:id="rId4"/>
-    <p:sldId id="259" r:id="rId5"/>
+    <p:sldId id="261" r:id="rId5"/>
     <p:sldId id="260" r:id="rId6"/>
-    <p:sldId id="261" r:id="rId7"/>
+    <p:sldId id="259" r:id="rId7"/>
     <p:sldId id="262" r:id="rId8"/>
+    <p:sldId id="264" r:id="rId9"/>
+    <p:sldId id="263" r:id="rId10"/>
+    <p:sldId id="265" r:id="rId11"/>
   </p:sldIdLst>
   <p:sldSz cx="12192000" cy="6858000"/>
   <p:notesSz cx="6858000" cy="9144000"/>
@@ -118,13 +121,19 @@
             <p14:sldId id="256"/>
             <p14:sldId id="257"/>
             <p14:sldId id="258"/>
+            <p14:sldId id="261"/>
+            <p14:sldId id="260"/>
             <p14:sldId id="259"/>
-            <p14:sldId id="260"/>
-            <p14:sldId id="261"/>
             <p14:sldId id="262"/>
+            <p14:sldId id="264"/>
+            <p14:sldId id="263"/>
+            <p14:sldId id="265"/>
           </p14:sldIdLst>
         </p14:section>
       </p14:sectionLst>
+    </p:ext>
+    <p:ext uri="{EFAFB233-063F-42B5-8137-9DF3F51BA10A}">
+      <p15:sldGuideLst xmlns:p15="http://schemas.microsoft.com/office/powerpoint/2012/main"/>
     </p:ext>
   </p:extLst>
 </p:presentation>
@@ -6255,8 +6264,91 @@
 </p:sld>
 </file>
 
+<file path=ppt/slides/slide10.xml><?xml version="1.0" encoding="utf-8"?>
+<p:sld xmlns:a="http://schemas.openxmlformats.org/drawingml/2006/main" xmlns:r="http://schemas.openxmlformats.org/officeDocument/2006/relationships" xmlns:p="http://schemas.openxmlformats.org/presentationml/2006/main">
+  <p:cSld>
+    <p:spTree>
+      <p:nvGrpSpPr>
+        <p:cNvPr id="1" name=""/>
+        <p:cNvGrpSpPr/>
+        <p:nvPr/>
+      </p:nvGrpSpPr>
+      <p:grpSpPr>
+        <a:xfrm>
+          <a:off x="0" y="0"/>
+          <a:ext cx="0" cy="0"/>
+          <a:chOff x="0" y="0"/>
+          <a:chExt cx="0" cy="0"/>
+        </a:xfrm>
+      </p:grpSpPr>
+      <p:sp>
+        <p:nvSpPr>
+          <p:cNvPr id="4" name="Title 3">
+            <a:extLst>
+              <a:ext uri="{FF2B5EF4-FFF2-40B4-BE49-F238E27FC236}">
+                <a16:creationId xmlns:a16="http://schemas.microsoft.com/office/drawing/2014/main" id="{0D4EE23C-922B-4846-8718-F14C6982D2EF}"/>
+              </a:ext>
+            </a:extLst>
+          </p:cNvPr>
+          <p:cNvSpPr>
+            <a:spLocks noGrp="1"/>
+          </p:cNvSpPr>
+          <p:nvPr>
+            <p:ph type="ctrTitle"/>
+          </p:nvPr>
+        </p:nvSpPr>
+        <p:spPr/>
+        <p:txBody>
+          <a:bodyPr/>
+          <a:lstStyle/>
+          <a:p>
+            <a:r>
+              <a:rPr lang="en-GB" dirty="0"/>
+              <a:t>Any Questions?</a:t>
+            </a:r>
+          </a:p>
+        </p:txBody>
+      </p:sp>
+      <p:sp>
+        <p:nvSpPr>
+          <p:cNvPr id="5" name="Subtitle 4">
+            <a:extLst>
+              <a:ext uri="{FF2B5EF4-FFF2-40B4-BE49-F238E27FC236}">
+                <a16:creationId xmlns:a16="http://schemas.microsoft.com/office/drawing/2014/main" id="{34E6DAE0-FCBB-4BC2-84E1-E9D6D36561A6}"/>
+              </a:ext>
+            </a:extLst>
+          </p:cNvPr>
+          <p:cNvSpPr>
+            <a:spLocks noGrp="1"/>
+          </p:cNvSpPr>
+          <p:nvPr>
+            <p:ph type="subTitle" idx="1"/>
+          </p:nvPr>
+        </p:nvSpPr>
+        <p:spPr/>
+        <p:txBody>
+          <a:bodyPr/>
+          <a:lstStyle/>
+          <a:p>
+            <a:endParaRPr lang="en-GB" dirty="0"/>
+          </a:p>
+        </p:txBody>
+      </p:sp>
+    </p:spTree>
+    <p:extLst>
+      <p:ext uri="{BB962C8B-B14F-4D97-AF65-F5344CB8AC3E}">
+        <p14:creationId xmlns:p14="http://schemas.microsoft.com/office/powerpoint/2010/main" val="3732594750"/>
+      </p:ext>
+    </p:extLst>
+  </p:cSld>
+  <p:clrMapOvr>
+    <a:masterClrMapping/>
+  </p:clrMapOvr>
+</p:sld>
+</file>
+
 <file path=ppt/slides/slide2.xml><?xml version="1.0" encoding="utf-8"?>
-<p:sld xmlns:a="http://schemas.openxmlformats.org/drawingml/2006/main" xmlns:r="http://schemas.openxmlformats.org/officeDocument/2006/relationships" xmlns:p="http://schemas.openxmlformats.org/presentationml/2006/main">
+<p:sld xmlns:a="http://schemas.openxmlformats.org/drawingml/2006/main" xmlns:r="http://schemas.openxmlformats.org/officeDocument/2006/relationships" xmlns:p="http://schemas.openxmlformats.org/presentationml/2006/main" show="0">
   <p:cSld>
     <p:spTree>
       <p:nvGrpSpPr>
@@ -6517,7 +6609,17 @@
             </a:r>
           </a:p>
           <a:p>
-            <a:endParaRPr lang="en-GB" dirty="0"/>
+            <a:r>
+              <a:rPr lang="en-GB" dirty="0"/>
+              <a:t>The tertiary stakeholders are the Developers.</a:t>
+            </a:r>
+          </a:p>
+          <a:p>
+            <a:pPr lvl="1"/>
+            <a:r>
+              <a:rPr lang="en-GB" dirty="0"/>
+              <a:t>Gather and document requirements, evaluate development tools, develop the solution, quality assurance testing.</a:t>
+            </a:r>
           </a:p>
         </p:txBody>
       </p:sp>
@@ -6556,7 +6658,7 @@
           <p:cNvPr id="2" name="Title 1">
             <a:extLst>
               <a:ext uri="{FF2B5EF4-FFF2-40B4-BE49-F238E27FC236}">
-                <a16:creationId xmlns:a16="http://schemas.microsoft.com/office/drawing/2014/main" id="{DC8BDF0B-9D24-417D-8D2F-BEB7F6F00EE2}"/>
+                <a16:creationId xmlns:a16="http://schemas.microsoft.com/office/drawing/2014/main" id="{DA95D8D4-A018-4AE9-824E-6F06B4F53DCC}"/>
               </a:ext>
             </a:extLst>
           </p:cNvPr>
@@ -6584,7 +6686,7 @@
           <p:cNvPr id="3" name="Content Placeholder 2">
             <a:extLst>
               <a:ext uri="{FF2B5EF4-FFF2-40B4-BE49-F238E27FC236}">
-                <a16:creationId xmlns:a16="http://schemas.microsoft.com/office/drawing/2014/main" id="{3CFB1F65-095F-4265-B0B9-D6D6BFB3A027}"/>
+                <a16:creationId xmlns:a16="http://schemas.microsoft.com/office/drawing/2014/main" id="{7A4BBA8F-7489-4569-9817-B315DEAD45E4}"/>
               </a:ext>
             </a:extLst>
           </p:cNvPr>
@@ -6602,43 +6704,47 @@
           <a:p>
             <a:r>
               <a:rPr lang="en-GB" dirty="0"/>
-              <a:t>Employee:</a:t>
+              <a:t>General:</a:t>
             </a:r>
           </a:p>
           <a:p>
             <a:pPr lvl="1"/>
             <a:r>
               <a:rPr lang="en-GB" dirty="0"/>
-              <a:t>View the rota for the coming week/month/year.</a:t>
+              <a:t>Unique user ID/Password for each user.</a:t>
             </a:r>
           </a:p>
           <a:p>
             <a:pPr lvl="1"/>
             <a:r>
               <a:rPr lang="en-GB" dirty="0"/>
-              <a:t>Request holiday from date to date.</a:t>
+              <a:t>System will support password resets.</a:t>
             </a:r>
           </a:p>
           <a:p>
             <a:pPr lvl="1"/>
             <a:r>
               <a:rPr lang="en-GB" dirty="0"/>
-              <a:t>Cancel a future booked holiday.</a:t>
+              <a:t>Website will work on multiple device types, optimized for mobile layout.</a:t>
             </a:r>
           </a:p>
           <a:p>
             <a:pPr lvl="1"/>
             <a:r>
               <a:rPr lang="en-GB" dirty="0"/>
-              <a:t>Receive email reminder of impending shift.</a:t>
-            </a:r>
+              <a:t>Website will use Papa John’s branding.</a:t>
+            </a:r>
+          </a:p>
+          <a:p>
+            <a:pPr lvl="1"/>
+            <a:endParaRPr lang="en-GB" dirty="0"/>
           </a:p>
         </p:txBody>
       </p:sp>
     </p:spTree>
     <p:extLst>
       <p:ext uri="{BB962C8B-B14F-4D97-AF65-F5344CB8AC3E}">
-        <p14:creationId xmlns:p14="http://schemas.microsoft.com/office/powerpoint/2010/main" val="2573106256"/>
+        <p14:creationId xmlns:p14="http://schemas.microsoft.com/office/powerpoint/2010/main" val="1949986730"/>
       </p:ext>
     </p:extLst>
   </p:cSld>
@@ -6809,7 +6915,7 @@
           <p:cNvPr id="2" name="Title 1">
             <a:extLst>
               <a:ext uri="{FF2B5EF4-FFF2-40B4-BE49-F238E27FC236}">
-                <a16:creationId xmlns:a16="http://schemas.microsoft.com/office/drawing/2014/main" id="{DA95D8D4-A018-4AE9-824E-6F06B4F53DCC}"/>
+                <a16:creationId xmlns:a16="http://schemas.microsoft.com/office/drawing/2014/main" id="{DC8BDF0B-9D24-417D-8D2F-BEB7F6F00EE2}"/>
               </a:ext>
             </a:extLst>
           </p:cNvPr>
@@ -6837,7 +6943,7 @@
           <p:cNvPr id="3" name="Content Placeholder 2">
             <a:extLst>
               <a:ext uri="{FF2B5EF4-FFF2-40B4-BE49-F238E27FC236}">
-                <a16:creationId xmlns:a16="http://schemas.microsoft.com/office/drawing/2014/main" id="{7A4BBA8F-7489-4569-9817-B315DEAD45E4}"/>
+                <a16:creationId xmlns:a16="http://schemas.microsoft.com/office/drawing/2014/main" id="{3CFB1F65-095F-4265-B0B9-D6D6BFB3A027}"/>
               </a:ext>
             </a:extLst>
           </p:cNvPr>
@@ -6855,47 +6961,43 @@
           <a:p>
             <a:r>
               <a:rPr lang="en-GB" dirty="0"/>
-              <a:t>General:</a:t>
+              <a:t>Employee:</a:t>
             </a:r>
           </a:p>
           <a:p>
             <a:pPr lvl="1"/>
             <a:r>
               <a:rPr lang="en-GB" dirty="0"/>
-              <a:t>Unique user ID/Password for each user.</a:t>
+              <a:t>View the rota for the coming week/month/year.</a:t>
             </a:r>
           </a:p>
           <a:p>
             <a:pPr lvl="1"/>
             <a:r>
               <a:rPr lang="en-GB" dirty="0"/>
-              <a:t>System will support password resets.</a:t>
+              <a:t>Request holiday from date to date.</a:t>
             </a:r>
           </a:p>
           <a:p>
             <a:pPr lvl="1"/>
             <a:r>
               <a:rPr lang="en-GB" dirty="0"/>
-              <a:t>Website will work on multiple device types, optimized for mobile layout.</a:t>
+              <a:t>Cancel a future booked holiday.</a:t>
             </a:r>
           </a:p>
           <a:p>
             <a:pPr lvl="1"/>
             <a:r>
               <a:rPr lang="en-GB" dirty="0"/>
-              <a:t>Website will use Papa John’s branding.</a:t>
-            </a:r>
-          </a:p>
-          <a:p>
-            <a:pPr lvl="1"/>
-            <a:endParaRPr lang="en-GB" dirty="0"/>
+              <a:t>Receive email reminder of impending shift.</a:t>
+            </a:r>
           </a:p>
         </p:txBody>
       </p:sp>
     </p:spTree>
     <p:extLst>
       <p:ext uri="{BB962C8B-B14F-4D97-AF65-F5344CB8AC3E}">
-        <p14:creationId xmlns:p14="http://schemas.microsoft.com/office/powerpoint/2010/main" val="1949986730"/>
+        <p14:creationId xmlns:p14="http://schemas.microsoft.com/office/powerpoint/2010/main" val="2573106256"/>
       </p:ext>
     </p:extLst>
   </p:cSld>
@@ -7010,6 +7112,184 @@
     <p:extLst>
       <p:ext uri="{BB962C8B-B14F-4D97-AF65-F5344CB8AC3E}">
         <p14:creationId xmlns:p14="http://schemas.microsoft.com/office/powerpoint/2010/main" val="2275814255"/>
+      </p:ext>
+    </p:extLst>
+  </p:cSld>
+  <p:clrMapOvr>
+    <a:masterClrMapping/>
+  </p:clrMapOvr>
+</p:sld>
+</file>
+
+<file path=ppt/slides/slide8.xml><?xml version="1.0" encoding="utf-8"?>
+<p:sld xmlns:a="http://schemas.openxmlformats.org/drawingml/2006/main" xmlns:r="http://schemas.openxmlformats.org/officeDocument/2006/relationships" xmlns:p="http://schemas.openxmlformats.org/presentationml/2006/main">
+  <p:cSld>
+    <p:spTree>
+      <p:nvGrpSpPr>
+        <p:cNvPr id="1" name=""/>
+        <p:cNvGrpSpPr/>
+        <p:nvPr/>
+      </p:nvGrpSpPr>
+      <p:grpSpPr>
+        <a:xfrm>
+          <a:off x="0" y="0"/>
+          <a:ext cx="0" cy="0"/>
+          <a:chOff x="0" y="0"/>
+          <a:chExt cx="0" cy="0"/>
+        </a:xfrm>
+      </p:grpSpPr>
+      <p:sp>
+        <p:nvSpPr>
+          <p:cNvPr id="2" name="Title 1">
+            <a:extLst>
+              <a:ext uri="{FF2B5EF4-FFF2-40B4-BE49-F238E27FC236}">
+                <a16:creationId xmlns:a16="http://schemas.microsoft.com/office/drawing/2014/main" id="{EE59F9C3-3A3E-4158-A0A3-371CC8C80329}"/>
+              </a:ext>
+            </a:extLst>
+          </p:cNvPr>
+          <p:cNvSpPr>
+            <a:spLocks noGrp="1"/>
+          </p:cNvSpPr>
+          <p:nvPr>
+            <p:ph type="title"/>
+          </p:nvPr>
+        </p:nvSpPr>
+        <p:spPr/>
+        <p:txBody>
+          <a:bodyPr/>
+          <a:lstStyle/>
+          <a:p>
+            <a:r>
+              <a:rPr lang="en-GB" dirty="0"/>
+              <a:t>Workflow</a:t>
+            </a:r>
+          </a:p>
+        </p:txBody>
+      </p:sp>
+      <p:sp>
+        <p:nvSpPr>
+          <p:cNvPr id="3" name="Content Placeholder 2">
+            <a:extLst>
+              <a:ext uri="{FF2B5EF4-FFF2-40B4-BE49-F238E27FC236}">
+                <a16:creationId xmlns:a16="http://schemas.microsoft.com/office/drawing/2014/main" id="{8FD8C1DB-7485-45C4-B74F-2C8B2156BFDC}"/>
+              </a:ext>
+            </a:extLst>
+          </p:cNvPr>
+          <p:cNvSpPr>
+            <a:spLocks noGrp="1"/>
+          </p:cNvSpPr>
+          <p:nvPr>
+            <p:ph idx="1"/>
+          </p:nvPr>
+        </p:nvSpPr>
+        <p:spPr/>
+        <p:txBody>
+          <a:bodyPr/>
+          <a:lstStyle/>
+          <a:p>
+            <a:endParaRPr lang="en-GB" dirty="0"/>
+          </a:p>
+        </p:txBody>
+      </p:sp>
+    </p:spTree>
+    <p:extLst>
+      <p:ext uri="{BB962C8B-B14F-4D97-AF65-F5344CB8AC3E}">
+        <p14:creationId xmlns:p14="http://schemas.microsoft.com/office/powerpoint/2010/main" val="3693353327"/>
+      </p:ext>
+    </p:extLst>
+  </p:cSld>
+  <p:clrMapOvr>
+    <a:masterClrMapping/>
+  </p:clrMapOvr>
+</p:sld>
+</file>
+
+<file path=ppt/slides/slide9.xml><?xml version="1.0" encoding="utf-8"?>
+<p:sld xmlns:a="http://schemas.openxmlformats.org/drawingml/2006/main" xmlns:r="http://schemas.openxmlformats.org/officeDocument/2006/relationships" xmlns:p="http://schemas.openxmlformats.org/presentationml/2006/main">
+  <p:cSld>
+    <p:spTree>
+      <p:nvGrpSpPr>
+        <p:cNvPr id="1" name=""/>
+        <p:cNvGrpSpPr/>
+        <p:nvPr/>
+      </p:nvGrpSpPr>
+      <p:grpSpPr>
+        <a:xfrm>
+          <a:off x="0" y="0"/>
+          <a:ext cx="0" cy="0"/>
+          <a:chOff x="0" y="0"/>
+          <a:chExt cx="0" cy="0"/>
+        </a:xfrm>
+      </p:grpSpPr>
+      <p:sp>
+        <p:nvSpPr>
+          <p:cNvPr id="2" name="Title 1">
+            <a:extLst>
+              <a:ext uri="{FF2B5EF4-FFF2-40B4-BE49-F238E27FC236}">
+                <a16:creationId xmlns:a16="http://schemas.microsoft.com/office/drawing/2014/main" id="{6A1032F5-A1C5-464D-85E6-5D94361C68E8}"/>
+              </a:ext>
+            </a:extLst>
+          </p:cNvPr>
+          <p:cNvSpPr>
+            <a:spLocks noGrp="1"/>
+          </p:cNvSpPr>
+          <p:nvPr>
+            <p:ph type="title"/>
+          </p:nvPr>
+        </p:nvSpPr>
+        <p:spPr/>
+        <p:txBody>
+          <a:bodyPr/>
+          <a:lstStyle/>
+          <a:p>
+            <a:r>
+              <a:rPr lang="en-GB" dirty="0"/>
+              <a:t>Prototype</a:t>
+            </a:r>
+          </a:p>
+        </p:txBody>
+      </p:sp>
+      <p:sp>
+        <p:nvSpPr>
+          <p:cNvPr id="3" name="Content Placeholder 2">
+            <a:extLst>
+              <a:ext uri="{FF2B5EF4-FFF2-40B4-BE49-F238E27FC236}">
+                <a16:creationId xmlns:a16="http://schemas.microsoft.com/office/drawing/2014/main" id="{DF9827B0-1469-48DF-85ED-CCD4C68C5B09}"/>
+              </a:ext>
+            </a:extLst>
+          </p:cNvPr>
+          <p:cNvSpPr>
+            <a:spLocks noGrp="1"/>
+          </p:cNvSpPr>
+          <p:nvPr>
+            <p:ph idx="1"/>
+          </p:nvPr>
+        </p:nvSpPr>
+        <p:spPr/>
+        <p:txBody>
+          <a:bodyPr/>
+          <a:lstStyle/>
+          <a:p>
+            <a:r>
+              <a:rPr lang="en-GB" dirty="0"/>
+              <a:t>Prototype screens created in Pencil.</a:t>
+            </a:r>
+          </a:p>
+          <a:p>
+            <a:r>
+              <a:rPr lang="en-GB" dirty="0">
+                <a:hlinkClick r:id="rId2"/>
+              </a:rPr>
+              <a:t>file:///C:/Users/tobyd/Documents/GitHub/Level6_DMC/Prototypes/PencilHTML/version5/index.html</a:t>
+            </a:r>
+            <a:endParaRPr lang="en-GB" dirty="0"/>
+          </a:p>
+        </p:txBody>
+      </p:sp>
+    </p:spTree>
+    <p:extLst>
+      <p:ext uri="{BB962C8B-B14F-4D97-AF65-F5344CB8AC3E}">
+        <p14:creationId xmlns:p14="http://schemas.microsoft.com/office/powerpoint/2010/main" val="3319795733"/>
       </p:ext>
     </p:extLst>
   </p:cSld>
